--- a/pictures/introduction.pptx
+++ b/pictures/introduction.pptx
@@ -199,7 +199,7 @@
           <a:p>
             <a:fld id="{C0546B5F-B17E-4A11-A9CD-A10C644EC78D}" type="datetimeFigureOut">
               <a:rPr lang="zh-CN" altLang="en-US" smtClean="0"/>
-              <a:t>2020/7/12</a:t>
+              <a:t>2020/7/13</a:t>
             </a:fld>
             <a:endParaRPr lang="zh-CN" altLang="en-US"/>
           </a:p>
@@ -865,7 +865,7 @@
           <a:p>
             <a:fld id="{22C6D5CB-9E91-4D8B-8A6F-E7E64CE5E759}" type="datetimeFigureOut">
               <a:rPr lang="zh-CN" altLang="en-US" smtClean="0"/>
-              <a:t>2020/7/12</a:t>
+              <a:t>2020/7/13</a:t>
             </a:fld>
             <a:endParaRPr lang="zh-CN" altLang="en-US"/>
           </a:p>
@@ -1063,7 +1063,7 @@
           <a:p>
             <a:fld id="{22C6D5CB-9E91-4D8B-8A6F-E7E64CE5E759}" type="datetimeFigureOut">
               <a:rPr lang="zh-CN" altLang="en-US" smtClean="0"/>
-              <a:t>2020/7/12</a:t>
+              <a:t>2020/7/13</a:t>
             </a:fld>
             <a:endParaRPr lang="zh-CN" altLang="en-US"/>
           </a:p>
@@ -1271,7 +1271,7 @@
           <a:p>
             <a:fld id="{22C6D5CB-9E91-4D8B-8A6F-E7E64CE5E759}" type="datetimeFigureOut">
               <a:rPr lang="zh-CN" altLang="en-US" smtClean="0"/>
-              <a:t>2020/7/12</a:t>
+              <a:t>2020/7/13</a:t>
             </a:fld>
             <a:endParaRPr lang="zh-CN" altLang="en-US"/>
           </a:p>
@@ -1469,7 +1469,7 @@
           <a:p>
             <a:fld id="{22C6D5CB-9E91-4D8B-8A6F-E7E64CE5E759}" type="datetimeFigureOut">
               <a:rPr lang="zh-CN" altLang="en-US" smtClean="0"/>
-              <a:t>2020/7/12</a:t>
+              <a:t>2020/7/13</a:t>
             </a:fld>
             <a:endParaRPr lang="zh-CN" altLang="en-US"/>
           </a:p>
@@ -1744,7 +1744,7 @@
           <a:p>
             <a:fld id="{22C6D5CB-9E91-4D8B-8A6F-E7E64CE5E759}" type="datetimeFigureOut">
               <a:rPr lang="zh-CN" altLang="en-US" smtClean="0"/>
-              <a:t>2020/7/12</a:t>
+              <a:t>2020/7/13</a:t>
             </a:fld>
             <a:endParaRPr lang="zh-CN" altLang="en-US"/>
           </a:p>
@@ -2009,7 +2009,7 @@
           <a:p>
             <a:fld id="{22C6D5CB-9E91-4D8B-8A6F-E7E64CE5E759}" type="datetimeFigureOut">
               <a:rPr lang="zh-CN" altLang="en-US" smtClean="0"/>
-              <a:t>2020/7/12</a:t>
+              <a:t>2020/7/13</a:t>
             </a:fld>
             <a:endParaRPr lang="zh-CN" altLang="en-US"/>
           </a:p>
@@ -2421,7 +2421,7 @@
           <a:p>
             <a:fld id="{22C6D5CB-9E91-4D8B-8A6F-E7E64CE5E759}" type="datetimeFigureOut">
               <a:rPr lang="zh-CN" altLang="en-US" smtClean="0"/>
-              <a:t>2020/7/12</a:t>
+              <a:t>2020/7/13</a:t>
             </a:fld>
             <a:endParaRPr lang="zh-CN" altLang="en-US"/>
           </a:p>
@@ -2562,7 +2562,7 @@
           <a:p>
             <a:fld id="{22C6D5CB-9E91-4D8B-8A6F-E7E64CE5E759}" type="datetimeFigureOut">
               <a:rPr lang="zh-CN" altLang="en-US" smtClean="0"/>
-              <a:t>2020/7/12</a:t>
+              <a:t>2020/7/13</a:t>
             </a:fld>
             <a:endParaRPr lang="zh-CN" altLang="en-US"/>
           </a:p>
@@ -2675,7 +2675,7 @@
           <a:p>
             <a:fld id="{22C6D5CB-9E91-4D8B-8A6F-E7E64CE5E759}" type="datetimeFigureOut">
               <a:rPr lang="zh-CN" altLang="en-US" smtClean="0"/>
-              <a:t>2020/7/12</a:t>
+              <a:t>2020/7/13</a:t>
             </a:fld>
             <a:endParaRPr lang="zh-CN" altLang="en-US"/>
           </a:p>
@@ -2986,7 +2986,7 @@
           <a:p>
             <a:fld id="{22C6D5CB-9E91-4D8B-8A6F-E7E64CE5E759}" type="datetimeFigureOut">
               <a:rPr lang="zh-CN" altLang="en-US" smtClean="0"/>
-              <a:t>2020/7/12</a:t>
+              <a:t>2020/7/13</a:t>
             </a:fld>
             <a:endParaRPr lang="zh-CN" altLang="en-US"/>
           </a:p>
@@ -3274,7 +3274,7 @@
           <a:p>
             <a:fld id="{22C6D5CB-9E91-4D8B-8A6F-E7E64CE5E759}" type="datetimeFigureOut">
               <a:rPr lang="zh-CN" altLang="en-US" smtClean="0"/>
-              <a:t>2020/7/12</a:t>
+              <a:t>2020/7/13</a:t>
             </a:fld>
             <a:endParaRPr lang="zh-CN" altLang="en-US"/>
           </a:p>
@@ -3515,7 +3515,7 @@
           <a:p>
             <a:fld id="{22C6D5CB-9E91-4D8B-8A6F-E7E64CE5E759}" type="datetimeFigureOut">
               <a:rPr lang="zh-CN" altLang="en-US" smtClean="0"/>
-              <a:t>2020/7/12</a:t>
+              <a:t>2020/7/13</a:t>
             </a:fld>
             <a:endParaRPr lang="zh-CN" altLang="en-US"/>
           </a:p>
@@ -5294,14 +5294,22 @@
               <a:r>
                 <a:rPr lang="zh-CN" altLang="en-US" b="1" dirty="0">
                   <a:solidFill>
-                    <a:schemeClr val="accent1">
-                      <a:lumMod val="75000"/>
-                    </a:schemeClr>
+                    <a:schemeClr val="tx1"/>
                   </a:solidFill>
                   <a:latin typeface="楷体" panose="02010609060101010101" pitchFamily="49" charset="-122"/>
                   <a:ea typeface="楷体" panose="02010609060101010101" pitchFamily="49" charset="-122"/>
                 </a:rPr>
-                <a:t>）</a:t>
+                <a:t>）和一些无法穿越的</a:t>
+              </a:r>
+              <a:r>
+                <a:rPr lang="zh-CN" altLang="en-US" b="1" i="1" u="sng" dirty="0">
+                  <a:solidFill>
+                    <a:schemeClr val="tx1"/>
+                  </a:solidFill>
+                  <a:latin typeface="楷体" panose="02010609060101010101" pitchFamily="49" charset="-122"/>
+                  <a:ea typeface="楷体" panose="02010609060101010101" pitchFamily="49" charset="-122"/>
+                </a:rPr>
+                <a:t>障碍物</a:t>
               </a:r>
               <a:r>
                 <a:rPr lang="zh-CN" altLang="en-US" b="1" dirty="0">
@@ -5311,27 +5319,7 @@
                   <a:latin typeface="楷体" panose="02010609060101010101" pitchFamily="49" charset="-122"/>
                   <a:ea typeface="楷体" panose="02010609060101010101" pitchFamily="49" charset="-122"/>
                 </a:rPr>
-                <a:t>。您的目标是操纵方向键（上、下、左、右），</a:t>
-              </a:r>
-              <a:r>
-                <a:rPr lang="zh-CN" altLang="en-US" b="1" i="1" u="sng" dirty="0">
-                  <a:solidFill>
-                    <a:schemeClr val="tx1"/>
-                  </a:solidFill>
-                  <a:latin typeface="楷体" panose="02010609060101010101" pitchFamily="49" charset="-122"/>
-                  <a:ea typeface="楷体" panose="02010609060101010101" pitchFamily="49" charset="-122"/>
-                </a:rPr>
-                <a:t>绕过障碍</a:t>
-              </a:r>
-              <a:r>
-                <a:rPr lang="zh-CN" altLang="en-US" b="1" dirty="0">
-                  <a:solidFill>
-                    <a:schemeClr val="tx1"/>
-                  </a:solidFill>
-                  <a:latin typeface="楷体" panose="02010609060101010101" pitchFamily="49" charset="-122"/>
-                  <a:ea typeface="楷体" panose="02010609060101010101" pitchFamily="49" charset="-122"/>
-                </a:rPr>
-                <a:t>（黑色方块）使自己以最少步数到达餐馆就餐。</a:t>
+                <a:t>（黑色方块）。您的目标是操纵方向键（上、下、左、右），使自己以最少步数到达餐馆就餐。</a:t>
               </a:r>
               <a:endParaRPr lang="en-US" altLang="zh-CN" b="1" dirty="0">
                 <a:solidFill>

--- a/pictures/introduction.pptx
+++ b/pictures/introduction.pptx
@@ -5,12 +5,14 @@
     <p:sldMasterId id="2147483648" r:id="rId1"/>
   </p:sldMasterIdLst>
   <p:notesMasterIdLst>
-    <p:notesMasterId r:id="rId5"/>
+    <p:notesMasterId r:id="rId7"/>
   </p:notesMasterIdLst>
   <p:sldIdLst>
     <p:sldId id="256" r:id="rId2"/>
     <p:sldId id="259" r:id="rId3"/>
-    <p:sldId id="258" r:id="rId4"/>
+    <p:sldId id="261" r:id="rId4"/>
+    <p:sldId id="258" r:id="rId5"/>
+    <p:sldId id="260" r:id="rId6"/>
   </p:sldIdLst>
   <p:sldSz cx="12192000" cy="6858000"/>
   <p:notesSz cx="6858000" cy="9144000"/>
@@ -199,7 +201,7 @@
           <a:p>
             <a:fld id="{C0546B5F-B17E-4A11-A9CD-A10C644EC78D}" type="datetimeFigureOut">
               <a:rPr lang="zh-CN" altLang="en-US" smtClean="0"/>
-              <a:t>2020/7/13</a:t>
+              <a:t>2020/7/26</a:t>
             </a:fld>
             <a:endParaRPr lang="zh-CN" altLang="en-US"/>
           </a:p>
@@ -708,7 +710,175 @@
     </p:spTree>
     <p:extLst>
       <p:ext uri="{BB962C8B-B14F-4D97-AF65-F5344CB8AC3E}">
+        <p14:creationId xmlns:p14="http://schemas.microsoft.com/office/powerpoint/2010/main" val="1631659192"/>
+      </p:ext>
+    </p:extLst>
+  </p:cSld>
+  <p:clrMapOvr>
+    <a:masterClrMapping/>
+  </p:clrMapOvr>
+</p:notes>
+</file>
+
+<file path=ppt/notesSlides/notesSlide4.xml><?xml version="1.0" encoding="utf-8"?>
+<p:notes xmlns:a="http://schemas.openxmlformats.org/drawingml/2006/main" xmlns:r="http://schemas.openxmlformats.org/officeDocument/2006/relationships" xmlns:p="http://schemas.openxmlformats.org/presentationml/2006/main">
+  <p:cSld>
+    <p:spTree>
+      <p:nvGrpSpPr>
+        <p:cNvPr id="1" name=""/>
+        <p:cNvGrpSpPr/>
+        <p:nvPr/>
+      </p:nvGrpSpPr>
+      <p:grpSpPr>
+        <a:xfrm>
+          <a:off x="0" y="0"/>
+          <a:ext cx="0" cy="0"/>
+          <a:chOff x="0" y="0"/>
+          <a:chExt cx="0" cy="0"/>
+        </a:xfrm>
+      </p:grpSpPr>
+      <p:sp>
+        <p:nvSpPr>
+          <p:cNvPr id="2" name="幻灯片图像占位符 1"/>
+          <p:cNvSpPr>
+            <a:spLocks noGrp="1" noRot="1" noChangeAspect="1"/>
+          </p:cNvSpPr>
+          <p:nvPr>
+            <p:ph type="sldImg"/>
+          </p:nvPr>
+        </p:nvSpPr>
+        <p:spPr/>
+      </p:sp>
+      <p:sp>
+        <p:nvSpPr>
+          <p:cNvPr id="3" name="备注占位符 2"/>
+          <p:cNvSpPr>
+            <a:spLocks noGrp="1"/>
+          </p:cNvSpPr>
+          <p:nvPr>
+            <p:ph type="body" idx="1"/>
+          </p:nvPr>
+        </p:nvSpPr>
+        <p:spPr/>
+        <p:txBody>
+          <a:bodyPr/>
+          <a:lstStyle/>
+          <a:p>
+            <a:endParaRPr lang="zh-CN" altLang="en-US" dirty="0"/>
+          </a:p>
+        </p:txBody>
+      </p:sp>
+      <p:sp>
+        <p:nvSpPr>
+          <p:cNvPr id="4" name="灯片编号占位符 3"/>
+          <p:cNvSpPr>
+            <a:spLocks noGrp="1"/>
+          </p:cNvSpPr>
+          <p:nvPr>
+            <p:ph type="sldNum" sz="quarter" idx="5"/>
+          </p:nvPr>
+        </p:nvSpPr>
+        <p:spPr/>
+        <p:txBody>
+          <a:bodyPr/>
+          <a:lstStyle/>
+          <a:p>
+            <a:fld id="{19214DBA-04C0-4AE0-9391-D985D3AC6701}" type="slidenum">
+              <a:rPr lang="zh-CN" altLang="en-US" smtClean="0"/>
+              <a:t>4</a:t>
+            </a:fld>
+            <a:endParaRPr lang="zh-CN" altLang="en-US"/>
+          </a:p>
+        </p:txBody>
+      </p:sp>
+    </p:spTree>
+    <p:extLst>
+      <p:ext uri="{BB962C8B-B14F-4D97-AF65-F5344CB8AC3E}">
         <p14:creationId xmlns:p14="http://schemas.microsoft.com/office/powerpoint/2010/main" val="3249830489"/>
+      </p:ext>
+    </p:extLst>
+  </p:cSld>
+  <p:clrMapOvr>
+    <a:masterClrMapping/>
+  </p:clrMapOvr>
+</p:notes>
+</file>
+
+<file path=ppt/notesSlides/notesSlide5.xml><?xml version="1.0" encoding="utf-8"?>
+<p:notes xmlns:a="http://schemas.openxmlformats.org/drawingml/2006/main" xmlns:r="http://schemas.openxmlformats.org/officeDocument/2006/relationships" xmlns:p="http://schemas.openxmlformats.org/presentationml/2006/main">
+  <p:cSld>
+    <p:spTree>
+      <p:nvGrpSpPr>
+        <p:cNvPr id="1" name=""/>
+        <p:cNvGrpSpPr/>
+        <p:nvPr/>
+      </p:nvGrpSpPr>
+      <p:grpSpPr>
+        <a:xfrm>
+          <a:off x="0" y="0"/>
+          <a:ext cx="0" cy="0"/>
+          <a:chOff x="0" y="0"/>
+          <a:chExt cx="0" cy="0"/>
+        </a:xfrm>
+      </p:grpSpPr>
+      <p:sp>
+        <p:nvSpPr>
+          <p:cNvPr id="2" name="幻灯片图像占位符 1"/>
+          <p:cNvSpPr>
+            <a:spLocks noGrp="1" noRot="1" noChangeAspect="1"/>
+          </p:cNvSpPr>
+          <p:nvPr>
+            <p:ph type="sldImg"/>
+          </p:nvPr>
+        </p:nvSpPr>
+        <p:spPr/>
+      </p:sp>
+      <p:sp>
+        <p:nvSpPr>
+          <p:cNvPr id="3" name="备注占位符 2"/>
+          <p:cNvSpPr>
+            <a:spLocks noGrp="1"/>
+          </p:cNvSpPr>
+          <p:nvPr>
+            <p:ph type="body" idx="1"/>
+          </p:nvPr>
+        </p:nvSpPr>
+        <p:spPr/>
+        <p:txBody>
+          <a:bodyPr/>
+          <a:lstStyle/>
+          <a:p>
+            <a:endParaRPr lang="zh-CN" altLang="en-US" dirty="0"/>
+          </a:p>
+        </p:txBody>
+      </p:sp>
+      <p:sp>
+        <p:nvSpPr>
+          <p:cNvPr id="4" name="灯片编号占位符 3"/>
+          <p:cNvSpPr>
+            <a:spLocks noGrp="1"/>
+          </p:cNvSpPr>
+          <p:nvPr>
+            <p:ph type="sldNum" sz="quarter" idx="5"/>
+          </p:nvPr>
+        </p:nvSpPr>
+        <p:spPr/>
+        <p:txBody>
+          <a:bodyPr/>
+          <a:lstStyle/>
+          <a:p>
+            <a:fld id="{19214DBA-04C0-4AE0-9391-D985D3AC6701}" type="slidenum">
+              <a:rPr lang="zh-CN" altLang="en-US" smtClean="0"/>
+              <a:t>5</a:t>
+            </a:fld>
+            <a:endParaRPr lang="zh-CN" altLang="en-US"/>
+          </a:p>
+        </p:txBody>
+      </p:sp>
+    </p:spTree>
+    <p:extLst>
+      <p:ext uri="{BB962C8B-B14F-4D97-AF65-F5344CB8AC3E}">
+        <p14:creationId xmlns:p14="http://schemas.microsoft.com/office/powerpoint/2010/main" val="3038223572"/>
       </p:ext>
     </p:extLst>
   </p:cSld>
@@ -865,7 +1035,7 @@
           <a:p>
             <a:fld id="{22C6D5CB-9E91-4D8B-8A6F-E7E64CE5E759}" type="datetimeFigureOut">
               <a:rPr lang="zh-CN" altLang="en-US" smtClean="0"/>
-              <a:t>2020/7/13</a:t>
+              <a:t>2020/7/26</a:t>
             </a:fld>
             <a:endParaRPr lang="zh-CN" altLang="en-US"/>
           </a:p>
@@ -1063,7 +1233,7 @@
           <a:p>
             <a:fld id="{22C6D5CB-9E91-4D8B-8A6F-E7E64CE5E759}" type="datetimeFigureOut">
               <a:rPr lang="zh-CN" altLang="en-US" smtClean="0"/>
-              <a:t>2020/7/13</a:t>
+              <a:t>2020/7/26</a:t>
             </a:fld>
             <a:endParaRPr lang="zh-CN" altLang="en-US"/>
           </a:p>
@@ -1271,7 +1441,7 @@
           <a:p>
             <a:fld id="{22C6D5CB-9E91-4D8B-8A6F-E7E64CE5E759}" type="datetimeFigureOut">
               <a:rPr lang="zh-CN" altLang="en-US" smtClean="0"/>
-              <a:t>2020/7/13</a:t>
+              <a:t>2020/7/26</a:t>
             </a:fld>
             <a:endParaRPr lang="zh-CN" altLang="en-US"/>
           </a:p>
@@ -1469,7 +1639,7 @@
           <a:p>
             <a:fld id="{22C6D5CB-9E91-4D8B-8A6F-E7E64CE5E759}" type="datetimeFigureOut">
               <a:rPr lang="zh-CN" altLang="en-US" smtClean="0"/>
-              <a:t>2020/7/13</a:t>
+              <a:t>2020/7/26</a:t>
             </a:fld>
             <a:endParaRPr lang="zh-CN" altLang="en-US"/>
           </a:p>
@@ -1744,7 +1914,7 @@
           <a:p>
             <a:fld id="{22C6D5CB-9E91-4D8B-8A6F-E7E64CE5E759}" type="datetimeFigureOut">
               <a:rPr lang="zh-CN" altLang="en-US" smtClean="0"/>
-              <a:t>2020/7/13</a:t>
+              <a:t>2020/7/26</a:t>
             </a:fld>
             <a:endParaRPr lang="zh-CN" altLang="en-US"/>
           </a:p>
@@ -2009,7 +2179,7 @@
           <a:p>
             <a:fld id="{22C6D5CB-9E91-4D8B-8A6F-E7E64CE5E759}" type="datetimeFigureOut">
               <a:rPr lang="zh-CN" altLang="en-US" smtClean="0"/>
-              <a:t>2020/7/13</a:t>
+              <a:t>2020/7/26</a:t>
             </a:fld>
             <a:endParaRPr lang="zh-CN" altLang="en-US"/>
           </a:p>
@@ -2421,7 +2591,7 @@
           <a:p>
             <a:fld id="{22C6D5CB-9E91-4D8B-8A6F-E7E64CE5E759}" type="datetimeFigureOut">
               <a:rPr lang="zh-CN" altLang="en-US" smtClean="0"/>
-              <a:t>2020/7/13</a:t>
+              <a:t>2020/7/26</a:t>
             </a:fld>
             <a:endParaRPr lang="zh-CN" altLang="en-US"/>
           </a:p>
@@ -2562,7 +2732,7 @@
           <a:p>
             <a:fld id="{22C6D5CB-9E91-4D8B-8A6F-E7E64CE5E759}" type="datetimeFigureOut">
               <a:rPr lang="zh-CN" altLang="en-US" smtClean="0"/>
-              <a:t>2020/7/13</a:t>
+              <a:t>2020/7/26</a:t>
             </a:fld>
             <a:endParaRPr lang="zh-CN" altLang="en-US"/>
           </a:p>
@@ -2675,7 +2845,7 @@
           <a:p>
             <a:fld id="{22C6D5CB-9E91-4D8B-8A6F-E7E64CE5E759}" type="datetimeFigureOut">
               <a:rPr lang="zh-CN" altLang="en-US" smtClean="0"/>
-              <a:t>2020/7/13</a:t>
+              <a:t>2020/7/26</a:t>
             </a:fld>
             <a:endParaRPr lang="zh-CN" altLang="en-US"/>
           </a:p>
@@ -2986,7 +3156,7 @@
           <a:p>
             <a:fld id="{22C6D5CB-9E91-4D8B-8A6F-E7E64CE5E759}" type="datetimeFigureOut">
               <a:rPr lang="zh-CN" altLang="en-US" smtClean="0"/>
-              <a:t>2020/7/13</a:t>
+              <a:t>2020/7/26</a:t>
             </a:fld>
             <a:endParaRPr lang="zh-CN" altLang="en-US"/>
           </a:p>
@@ -3274,7 +3444,7 @@
           <a:p>
             <a:fld id="{22C6D5CB-9E91-4D8B-8A6F-E7E64CE5E759}" type="datetimeFigureOut">
               <a:rPr lang="zh-CN" altLang="en-US" smtClean="0"/>
-              <a:t>2020/7/13</a:t>
+              <a:t>2020/7/26</a:t>
             </a:fld>
             <a:endParaRPr lang="zh-CN" altLang="en-US"/>
           </a:p>
@@ -3515,7 +3685,7 @@
           <a:p>
             <a:fld id="{22C6D5CB-9E91-4D8B-8A6F-E7E64CE5E759}" type="datetimeFigureOut">
               <a:rPr lang="zh-CN" altLang="en-US" smtClean="0"/>
-              <a:t>2020/7/13</a:t>
+              <a:t>2020/7/26</a:t>
             </a:fld>
             <a:endParaRPr lang="zh-CN" altLang="en-US"/>
           </a:p>
@@ -4712,47 +4882,7 @@
                   <a:latin typeface="楷体" panose="02010609060101010101" pitchFamily="49" charset="-122"/>
                   <a:ea typeface="楷体" panose="02010609060101010101" pitchFamily="49" charset="-122"/>
                 </a:rPr>
-                <a:t>。您的目标是操纵方向键（上、下、左、右）</a:t>
-              </a:r>
-              <a:r>
-                <a:rPr lang="zh-CN" altLang="en-US" b="1">
-                  <a:solidFill>
-                    <a:schemeClr val="tx1"/>
-                  </a:solidFill>
-                  <a:latin typeface="楷体" panose="02010609060101010101" pitchFamily="49" charset="-122"/>
-                  <a:ea typeface="楷体" panose="02010609060101010101" pitchFamily="49" charset="-122"/>
-                </a:rPr>
-                <a:t>使自己以</a:t>
-              </a:r>
-              <a:r>
-                <a:rPr lang="zh-CN" altLang="en-US" b="1" dirty="0">
-                  <a:solidFill>
-                    <a:schemeClr val="tx1"/>
-                  </a:solidFill>
-                  <a:latin typeface="楷体" panose="02010609060101010101" pitchFamily="49" charset="-122"/>
-                  <a:ea typeface="楷体" panose="02010609060101010101" pitchFamily="49" charset="-122"/>
-                </a:rPr>
-                <a:t>最少</a:t>
-              </a:r>
-              <a:r>
-                <a:rPr lang="zh-CN" altLang="en-US" b="1">
-                  <a:solidFill>
-                    <a:schemeClr val="tx1"/>
-                  </a:solidFill>
-                  <a:latin typeface="楷体" panose="02010609060101010101" pitchFamily="49" charset="-122"/>
-                  <a:ea typeface="楷体" panose="02010609060101010101" pitchFamily="49" charset="-122"/>
-                </a:rPr>
-                <a:t>步数到达</a:t>
-              </a:r>
-              <a:r>
-                <a:rPr lang="zh-CN" altLang="en-US" b="1" dirty="0">
-                  <a:solidFill>
-                    <a:schemeClr val="tx1"/>
-                  </a:solidFill>
-                  <a:latin typeface="楷体" panose="02010609060101010101" pitchFamily="49" charset="-122"/>
-                  <a:ea typeface="楷体" panose="02010609060101010101" pitchFamily="49" charset="-122"/>
-                </a:rPr>
-                <a:t>餐馆就餐。</a:t>
+                <a:t>。您的目标是操纵方向键（上、下、左、右）使自己以最少步数到达餐馆就餐。</a:t>
               </a:r>
               <a:endParaRPr lang="en-US" altLang="zh-CN" b="1" dirty="0">
                 <a:solidFill>
@@ -4887,7 +5017,7 @@
                   <a:latin typeface="楷体" panose="02010609060101010101" pitchFamily="49" charset="-122"/>
                   <a:ea typeface="楷体" panose="02010609060101010101" pitchFamily="49" charset="-122"/>
                 </a:rPr>
-                <a:t>15%</a:t>
+                <a:t>7%</a:t>
               </a:r>
               <a:r>
                 <a:rPr lang="zh-CN" altLang="en-US" b="1" dirty="0">
@@ -5014,6 +5144,545 @@
 </file>
 
 <file path=ppt/slides/slide3.xml><?xml version="1.0" encoding="utf-8"?>
+<p:sld xmlns:a="http://schemas.openxmlformats.org/drawingml/2006/main" xmlns:r="http://schemas.openxmlformats.org/officeDocument/2006/relationships" xmlns:p="http://schemas.openxmlformats.org/presentationml/2006/main">
+  <p:cSld>
+    <p:spTree>
+      <p:nvGrpSpPr>
+        <p:cNvPr id="1" name=""/>
+        <p:cNvGrpSpPr/>
+        <p:nvPr/>
+      </p:nvGrpSpPr>
+      <p:grpSpPr>
+        <a:xfrm>
+          <a:off x="0" y="0"/>
+          <a:ext cx="0" cy="0"/>
+          <a:chOff x="0" y="0"/>
+          <a:chExt cx="0" cy="0"/>
+        </a:xfrm>
+      </p:grpSpPr>
+      <p:grpSp>
+        <p:nvGrpSpPr>
+          <p:cNvPr id="19" name="组合 18">
+            <a:extLst>
+              <a:ext uri="{FF2B5EF4-FFF2-40B4-BE49-F238E27FC236}">
+                <a16:creationId xmlns:a16="http://schemas.microsoft.com/office/drawing/2014/main" id="{DE9C536E-1274-45A4-8808-A31579281473}"/>
+              </a:ext>
+            </a:extLst>
+          </p:cNvPr>
+          <p:cNvGrpSpPr/>
+          <p:nvPr/>
+        </p:nvGrpSpPr>
+        <p:grpSpPr>
+          <a:xfrm>
+            <a:off x="1917892" y="464233"/>
+            <a:ext cx="6339843" cy="5909239"/>
+            <a:chOff x="1650607" y="-450167"/>
+            <a:chExt cx="6339843" cy="5909239"/>
+          </a:xfrm>
+        </p:grpSpPr>
+        <p:sp>
+          <p:nvSpPr>
+            <p:cNvPr id="17" name="矩形 16">
+              <a:extLst>
+                <a:ext uri="{FF2B5EF4-FFF2-40B4-BE49-F238E27FC236}">
+                  <a16:creationId xmlns:a16="http://schemas.microsoft.com/office/drawing/2014/main" id="{08C262F2-BA1A-47F0-99F5-5E2AB168A192}"/>
+                </a:ext>
+              </a:extLst>
+            </p:cNvPr>
+            <p:cNvSpPr/>
+            <p:nvPr/>
+          </p:nvSpPr>
+          <p:spPr>
+            <a:xfrm>
+              <a:off x="1650608" y="-450167"/>
+              <a:ext cx="6339842" cy="5909238"/>
+            </a:xfrm>
+            <a:prstGeom prst="rect">
+              <a:avLst/>
+            </a:prstGeom>
+            <a:solidFill>
+              <a:srgbClr val="B0D2A0"/>
+            </a:solidFill>
+            <a:ln>
+              <a:solidFill>
+                <a:srgbClr val="B0D2A0"/>
+              </a:solidFill>
+            </a:ln>
+          </p:spPr>
+          <p:style>
+            <a:lnRef idx="2">
+              <a:schemeClr val="accent1">
+                <a:shade val="50000"/>
+              </a:schemeClr>
+            </a:lnRef>
+            <a:fillRef idx="1">
+              <a:schemeClr val="accent1"/>
+            </a:fillRef>
+            <a:effectRef idx="0">
+              <a:schemeClr val="accent1"/>
+            </a:effectRef>
+            <a:fontRef idx="minor">
+              <a:schemeClr val="lt1"/>
+            </a:fontRef>
+          </p:style>
+          <p:txBody>
+            <a:bodyPr rtlCol="0" anchor="ctr"/>
+            <a:lstStyle/>
+            <a:p>
+              <a:endParaRPr lang="en-US" altLang="zh-CN" sz="2000" dirty="0">
+                <a:solidFill>
+                  <a:schemeClr val="tx1"/>
+                </a:solidFill>
+                <a:latin typeface="楷体" panose="02010609060101010101" pitchFamily="49" charset="-122"/>
+                <a:ea typeface="楷体" panose="02010609060101010101" pitchFamily="49" charset="-122"/>
+              </a:endParaRPr>
+            </a:p>
+          </p:txBody>
+        </p:sp>
+        <p:sp>
+          <p:nvSpPr>
+            <p:cNvPr id="13" name="矩形 12">
+              <a:extLst>
+                <a:ext uri="{FF2B5EF4-FFF2-40B4-BE49-F238E27FC236}">
+                  <a16:creationId xmlns:a16="http://schemas.microsoft.com/office/drawing/2014/main" id="{661FDE28-B2B1-4D8A-9601-4CF5B6661D38}"/>
+                </a:ext>
+              </a:extLst>
+            </p:cNvPr>
+            <p:cNvSpPr/>
+            <p:nvPr/>
+          </p:nvSpPr>
+          <p:spPr>
+            <a:xfrm>
+              <a:off x="1650609" y="-450166"/>
+              <a:ext cx="4004603" cy="3319976"/>
+            </a:xfrm>
+            <a:prstGeom prst="rect">
+              <a:avLst/>
+            </a:prstGeom>
+            <a:solidFill>
+              <a:srgbClr val="B0D2A0"/>
+            </a:solidFill>
+            <a:ln>
+              <a:solidFill>
+                <a:srgbClr val="B0D2A0"/>
+              </a:solidFill>
+            </a:ln>
+          </p:spPr>
+          <p:style>
+            <a:lnRef idx="2">
+              <a:schemeClr val="accent1">
+                <a:shade val="50000"/>
+              </a:schemeClr>
+            </a:lnRef>
+            <a:fillRef idx="1">
+              <a:schemeClr val="accent1"/>
+            </a:fillRef>
+            <a:effectRef idx="0">
+              <a:schemeClr val="accent1"/>
+            </a:effectRef>
+            <a:fontRef idx="minor">
+              <a:schemeClr val="lt1"/>
+            </a:fontRef>
+          </p:style>
+          <p:txBody>
+            <a:bodyPr rtlCol="0" anchor="ctr"/>
+            <a:lstStyle/>
+            <a:p>
+              <a:pPr lvl="1"/>
+              <a:endParaRPr lang="en-US" altLang="zh-CN" dirty="0">
+                <a:solidFill>
+                  <a:schemeClr val="tx1"/>
+                </a:solidFill>
+                <a:latin typeface="楷体" panose="02010609060101010101" pitchFamily="49" charset="-122"/>
+                <a:ea typeface="楷体" panose="02010609060101010101" pitchFamily="49" charset="-122"/>
+              </a:endParaRPr>
+            </a:p>
+            <a:p>
+              <a:pPr lvl="2"/>
+              <a:endParaRPr lang="en-US" altLang="zh-CN" dirty="0">
+                <a:solidFill>
+                  <a:schemeClr val="tx1"/>
+                </a:solidFill>
+                <a:latin typeface="楷体" panose="02010609060101010101" pitchFamily="49" charset="-122"/>
+                <a:ea typeface="楷体" panose="02010609060101010101" pitchFamily="49" charset="-122"/>
+              </a:endParaRPr>
+            </a:p>
+            <a:p>
+              <a:pPr lvl="2"/>
+              <a:endParaRPr lang="en-US" altLang="zh-CN" dirty="0">
+                <a:solidFill>
+                  <a:schemeClr val="tx1"/>
+                </a:solidFill>
+                <a:latin typeface="楷体" panose="02010609060101010101" pitchFamily="49" charset="-122"/>
+                <a:ea typeface="楷体" panose="02010609060101010101" pitchFamily="49" charset="-122"/>
+              </a:endParaRPr>
+            </a:p>
+            <a:p>
+              <a:pPr lvl="2"/>
+              <a:endParaRPr lang="en-US" altLang="zh-CN" dirty="0">
+                <a:solidFill>
+                  <a:schemeClr val="tx1"/>
+                </a:solidFill>
+                <a:latin typeface="楷体" panose="02010609060101010101" pitchFamily="49" charset="-122"/>
+                <a:ea typeface="楷体" panose="02010609060101010101" pitchFamily="49" charset="-122"/>
+              </a:endParaRPr>
+            </a:p>
+            <a:p>
+              <a:pPr lvl="2"/>
+              <a:r>
+                <a:rPr lang="zh-CN" altLang="en-US" b="1" dirty="0">
+                  <a:solidFill>
+                    <a:schemeClr val="tx1"/>
+                  </a:solidFill>
+                  <a:latin typeface="楷体" panose="02010609060101010101" pitchFamily="49" charset="-122"/>
+                  <a:ea typeface="楷体" panose="02010609060101010101" pitchFamily="49" charset="-122"/>
+                </a:rPr>
+                <a:t>您好，欢迎参加实验。</a:t>
+              </a:r>
+              <a:endParaRPr lang="en-US" altLang="zh-CN" b="1" dirty="0">
+                <a:solidFill>
+                  <a:schemeClr val="tx1"/>
+                </a:solidFill>
+                <a:latin typeface="楷体" panose="02010609060101010101" pitchFamily="49" charset="-122"/>
+                <a:ea typeface="楷体" panose="02010609060101010101" pitchFamily="49" charset="-122"/>
+              </a:endParaRPr>
+            </a:p>
+            <a:p>
+              <a:pPr lvl="2"/>
+              <a:endParaRPr lang="en-US" altLang="zh-CN" b="1" dirty="0">
+                <a:solidFill>
+                  <a:schemeClr val="tx1"/>
+                </a:solidFill>
+                <a:latin typeface="楷体" panose="02010609060101010101" pitchFamily="49" charset="-122"/>
+                <a:ea typeface="楷体" panose="02010609060101010101" pitchFamily="49" charset="-122"/>
+              </a:endParaRPr>
+            </a:p>
+            <a:p>
+              <a:pPr lvl="2"/>
+              <a:r>
+                <a:rPr lang="zh-CN" altLang="en-US" b="1" dirty="0">
+                  <a:solidFill>
+                    <a:schemeClr val="tx1"/>
+                  </a:solidFill>
+                  <a:latin typeface="楷体" panose="02010609060101010101" pitchFamily="49" charset="-122"/>
+                  <a:ea typeface="楷体" panose="02010609060101010101" pitchFamily="49" charset="-122"/>
+                </a:rPr>
+                <a:t>您是一位饥肠辘辘的旅人（</a:t>
+              </a:r>
+              <a:r>
+                <a:rPr lang="zh-CN" altLang="en-US" b="1" dirty="0">
+                  <a:solidFill>
+                    <a:schemeClr val="accent1">
+                      <a:lumMod val="75000"/>
+                    </a:schemeClr>
+                  </a:solidFill>
+                  <a:latin typeface="楷体" panose="02010609060101010101" pitchFamily="49" charset="-122"/>
+                  <a:ea typeface="楷体" panose="02010609060101010101" pitchFamily="49" charset="-122"/>
+                </a:rPr>
+                <a:t>蓝色小球</a:t>
+              </a:r>
+              <a:r>
+                <a:rPr lang="zh-CN" altLang="en-US" b="1" dirty="0">
+                  <a:solidFill>
+                    <a:schemeClr val="tx1"/>
+                  </a:solidFill>
+                  <a:latin typeface="楷体" panose="02010609060101010101" pitchFamily="49" charset="-122"/>
+                  <a:ea typeface="楷体" panose="02010609060101010101" pitchFamily="49" charset="-122"/>
+                </a:rPr>
+                <a:t>）需要尽快到达餐馆补充食物。地图上有一个餐馆（</a:t>
+              </a:r>
+              <a:r>
+                <a:rPr lang="zh-CN" altLang="en-US" b="1" dirty="0">
+                  <a:solidFill>
+                    <a:srgbClr val="FF0000"/>
+                  </a:solidFill>
+                  <a:latin typeface="楷体" panose="02010609060101010101" pitchFamily="49" charset="-122"/>
+                  <a:ea typeface="楷体" panose="02010609060101010101" pitchFamily="49" charset="-122"/>
+                </a:rPr>
+                <a:t>红色方块</a:t>
+              </a:r>
+              <a:r>
+                <a:rPr lang="zh-CN" altLang="en-US" b="1" dirty="0">
+                  <a:solidFill>
+                    <a:schemeClr val="accent1">
+                      <a:lumMod val="75000"/>
+                    </a:schemeClr>
+                  </a:solidFill>
+                  <a:latin typeface="楷体" panose="02010609060101010101" pitchFamily="49" charset="-122"/>
+                  <a:ea typeface="楷体" panose="02010609060101010101" pitchFamily="49" charset="-122"/>
+                </a:rPr>
+                <a:t>）</a:t>
+              </a:r>
+              <a:r>
+                <a:rPr lang="zh-CN" altLang="en-US" b="1" dirty="0">
+                  <a:solidFill>
+                    <a:schemeClr val="tx1"/>
+                  </a:solidFill>
+                  <a:latin typeface="楷体" panose="02010609060101010101" pitchFamily="49" charset="-122"/>
+                  <a:ea typeface="楷体" panose="02010609060101010101" pitchFamily="49" charset="-122"/>
+                </a:rPr>
+                <a:t>。您的目标是操纵方向键（上、下、左、右）使自己以最少步数尽快到达餐馆就餐。</a:t>
+              </a:r>
+              <a:endParaRPr lang="en-US" altLang="zh-CN" b="1" dirty="0">
+                <a:solidFill>
+                  <a:schemeClr val="tx1"/>
+                </a:solidFill>
+                <a:latin typeface="楷体" panose="02010609060101010101" pitchFamily="49" charset="-122"/>
+                <a:ea typeface="楷体" panose="02010609060101010101" pitchFamily="49" charset="-122"/>
+              </a:endParaRPr>
+            </a:p>
+            <a:p>
+              <a:endParaRPr lang="en-US" altLang="zh-CN" sz="2000" dirty="0">
+                <a:solidFill>
+                  <a:schemeClr val="tx1"/>
+                </a:solidFill>
+                <a:latin typeface="楷体" panose="02010609060101010101" pitchFamily="49" charset="-122"/>
+                <a:ea typeface="楷体" panose="02010609060101010101" pitchFamily="49" charset="-122"/>
+              </a:endParaRPr>
+            </a:p>
+          </p:txBody>
+        </p:sp>
+        <p:pic>
+          <p:nvPicPr>
+            <p:cNvPr id="16" name="图片 15">
+              <a:extLst>
+                <a:ext uri="{FF2B5EF4-FFF2-40B4-BE49-F238E27FC236}">
+                  <a16:creationId xmlns:a16="http://schemas.microsoft.com/office/drawing/2014/main" id="{F2BF0366-54B3-45F6-B0A0-6A06C098C7A2}"/>
+                </a:ext>
+              </a:extLst>
+            </p:cNvPr>
+            <p:cNvPicPr>
+              <a:picLocks noChangeAspect="1"/>
+            </p:cNvPicPr>
+            <p:nvPr/>
+          </p:nvPicPr>
+          <p:blipFill>
+            <a:blip r:embed="rId3">
+              <a:extLst>
+                <a:ext uri="{28A0092B-C50C-407E-A947-70E740481C1C}">
+                  <a14:useLocalDpi xmlns:a14="http://schemas.microsoft.com/office/drawing/2010/main" val="0"/>
+                </a:ext>
+              </a:extLst>
+            </a:blip>
+            <a:stretch>
+              <a:fillRect/>
+            </a:stretch>
+          </p:blipFill>
+          <p:spPr>
+            <a:xfrm>
+              <a:off x="5655212" y="774535"/>
+              <a:ext cx="1336661" cy="1339078"/>
+            </a:xfrm>
+            <a:prstGeom prst="rect">
+              <a:avLst/>
+            </a:prstGeom>
+          </p:spPr>
+        </p:pic>
+        <p:sp>
+          <p:nvSpPr>
+            <p:cNvPr id="18" name="矩形 17">
+              <a:extLst>
+                <a:ext uri="{FF2B5EF4-FFF2-40B4-BE49-F238E27FC236}">
+                  <a16:creationId xmlns:a16="http://schemas.microsoft.com/office/drawing/2014/main" id="{ED0792B3-BAC8-4A39-9458-C54FD0DA2153}"/>
+                </a:ext>
+              </a:extLst>
+            </p:cNvPr>
+            <p:cNvSpPr/>
+            <p:nvPr/>
+          </p:nvSpPr>
+          <p:spPr>
+            <a:xfrm>
+              <a:off x="1650607" y="3040528"/>
+              <a:ext cx="5495779" cy="2418544"/>
+            </a:xfrm>
+            <a:prstGeom prst="rect">
+              <a:avLst/>
+            </a:prstGeom>
+            <a:solidFill>
+              <a:srgbClr val="B0D2A0"/>
+            </a:solidFill>
+            <a:ln>
+              <a:solidFill>
+                <a:srgbClr val="B0D2A0"/>
+              </a:solidFill>
+            </a:ln>
+          </p:spPr>
+          <p:style>
+            <a:lnRef idx="2">
+              <a:schemeClr val="accent1">
+                <a:shade val="50000"/>
+              </a:schemeClr>
+            </a:lnRef>
+            <a:fillRef idx="1">
+              <a:schemeClr val="accent1"/>
+            </a:fillRef>
+            <a:effectRef idx="0">
+              <a:schemeClr val="accent1"/>
+            </a:effectRef>
+            <a:fontRef idx="minor">
+              <a:schemeClr val="lt1"/>
+            </a:fontRef>
+          </p:style>
+          <p:txBody>
+            <a:bodyPr rtlCol="0" anchor="ctr"/>
+            <a:lstStyle/>
+            <a:p>
+              <a:pPr lvl="2"/>
+              <a:r>
+                <a:rPr lang="en-US" altLang="zh-CN" b="1" dirty="0">
+                  <a:solidFill>
+                    <a:schemeClr val="tx1"/>
+                  </a:solidFill>
+                  <a:latin typeface="楷体" panose="02010609060101010101" pitchFamily="49" charset="-122"/>
+                  <a:ea typeface="楷体" panose="02010609060101010101" pitchFamily="49" charset="-122"/>
+                </a:rPr>
+                <a:t>1.</a:t>
+              </a:r>
+              <a:r>
+                <a:rPr lang="zh-CN" altLang="en-US" b="1" dirty="0">
+                  <a:solidFill>
+                    <a:schemeClr val="tx1"/>
+                  </a:solidFill>
+                  <a:latin typeface="楷体" panose="02010609060101010101" pitchFamily="49" charset="-122"/>
+                  <a:ea typeface="楷体" panose="02010609060101010101" pitchFamily="49" charset="-122"/>
+                </a:rPr>
+                <a:t>在行进过程中，按键行为有</a:t>
+              </a:r>
+              <a:r>
+                <a:rPr lang="en-US" altLang="zh-CN" b="1" dirty="0">
+                  <a:solidFill>
+                    <a:schemeClr val="tx1"/>
+                  </a:solidFill>
+                  <a:latin typeface="楷体" panose="02010609060101010101" pitchFamily="49" charset="-122"/>
+                  <a:ea typeface="楷体" panose="02010609060101010101" pitchFamily="49" charset="-122"/>
+                </a:rPr>
+                <a:t>7%</a:t>
+              </a:r>
+              <a:r>
+                <a:rPr lang="zh-CN" altLang="en-US" b="1" dirty="0">
+                  <a:solidFill>
+                    <a:schemeClr val="tx1"/>
+                  </a:solidFill>
+                  <a:latin typeface="楷体" panose="02010609060101010101" pitchFamily="49" charset="-122"/>
+                  <a:ea typeface="楷体" panose="02010609060101010101" pitchFamily="49" charset="-122"/>
+                </a:rPr>
+                <a:t>的失灵概率，这使得您的运动方向随机偏离到周围八个格子。</a:t>
+              </a:r>
+              <a:endParaRPr lang="en-US" altLang="zh-CN" b="1" dirty="0">
+                <a:solidFill>
+                  <a:schemeClr val="tx1"/>
+                </a:solidFill>
+                <a:latin typeface="楷体" panose="02010609060101010101" pitchFamily="49" charset="-122"/>
+                <a:ea typeface="楷体" panose="02010609060101010101" pitchFamily="49" charset="-122"/>
+              </a:endParaRPr>
+            </a:p>
+            <a:p>
+              <a:pPr lvl="2"/>
+              <a:r>
+                <a:rPr lang="en-US" altLang="zh-CN" b="1" dirty="0">
+                  <a:solidFill>
+                    <a:schemeClr val="tx1"/>
+                  </a:solidFill>
+                  <a:latin typeface="楷体" panose="02010609060101010101" pitchFamily="49" charset="-122"/>
+                  <a:ea typeface="楷体" panose="02010609060101010101" pitchFamily="49" charset="-122"/>
+                </a:rPr>
+                <a:t>2.</a:t>
+              </a:r>
+              <a:r>
+                <a:rPr lang="zh-CN" altLang="en-US" b="1" dirty="0">
+                  <a:solidFill>
+                    <a:schemeClr val="tx1"/>
+                  </a:solidFill>
+                  <a:latin typeface="楷体" panose="02010609060101010101" pitchFamily="49" charset="-122"/>
+                  <a:ea typeface="楷体" panose="02010609060101010101" pitchFamily="49" charset="-122"/>
+                </a:rPr>
+                <a:t> 每个试次仅能到达一个餐馆就餐。</a:t>
+              </a:r>
+              <a:endParaRPr lang="en-US" altLang="zh-CN" b="1" dirty="0">
+                <a:solidFill>
+                  <a:schemeClr val="tx1"/>
+                </a:solidFill>
+                <a:latin typeface="楷体" panose="02010609060101010101" pitchFamily="49" charset="-122"/>
+                <a:ea typeface="楷体" panose="02010609060101010101" pitchFamily="49" charset="-122"/>
+              </a:endParaRPr>
+            </a:p>
+            <a:p>
+              <a:pPr lvl="2"/>
+              <a:endParaRPr lang="en-US" altLang="zh-CN" b="1" dirty="0">
+                <a:solidFill>
+                  <a:schemeClr val="tx1"/>
+                </a:solidFill>
+                <a:latin typeface="楷体" panose="02010609060101010101" pitchFamily="49" charset="-122"/>
+                <a:ea typeface="楷体" panose="02010609060101010101" pitchFamily="49" charset="-122"/>
+              </a:endParaRPr>
+            </a:p>
+            <a:p>
+              <a:pPr lvl="2"/>
+              <a:r>
+                <a:rPr lang="zh-CN" altLang="en-US" b="1" dirty="0">
+                  <a:solidFill>
+                    <a:schemeClr val="tx1"/>
+                  </a:solidFill>
+                  <a:latin typeface="楷体" panose="02010609060101010101" pitchFamily="49" charset="-122"/>
+                  <a:ea typeface="楷体" panose="02010609060101010101" pitchFamily="49" charset="-122"/>
+                </a:rPr>
+                <a:t>明确自己的任务后，请按空格键练习实验吧</a:t>
+              </a:r>
+              <a:endParaRPr lang="en-US" altLang="zh-CN" b="1" dirty="0">
+                <a:solidFill>
+                  <a:schemeClr val="tx1"/>
+                </a:solidFill>
+                <a:latin typeface="楷体" panose="02010609060101010101" pitchFamily="49" charset="-122"/>
+                <a:ea typeface="楷体" panose="02010609060101010101" pitchFamily="49" charset="-122"/>
+              </a:endParaRPr>
+            </a:p>
+            <a:p>
+              <a:pPr lvl="2"/>
+              <a:endParaRPr lang="en-US" altLang="zh-CN" dirty="0">
+                <a:solidFill>
+                  <a:schemeClr val="tx1"/>
+                </a:solidFill>
+                <a:latin typeface="楷体" panose="02010609060101010101" pitchFamily="49" charset="-122"/>
+                <a:ea typeface="楷体" panose="02010609060101010101" pitchFamily="49" charset="-122"/>
+              </a:endParaRPr>
+            </a:p>
+            <a:p>
+              <a:pPr lvl="2"/>
+              <a:endParaRPr lang="en-US" altLang="zh-CN" dirty="0">
+                <a:solidFill>
+                  <a:schemeClr val="tx1"/>
+                </a:solidFill>
+                <a:latin typeface="楷体" panose="02010609060101010101" pitchFamily="49" charset="-122"/>
+                <a:ea typeface="楷体" panose="02010609060101010101" pitchFamily="49" charset="-122"/>
+              </a:endParaRPr>
+            </a:p>
+            <a:p>
+              <a:pPr lvl="1"/>
+              <a:endParaRPr lang="en-US" altLang="zh-CN" dirty="0">
+                <a:solidFill>
+                  <a:schemeClr val="tx1"/>
+                </a:solidFill>
+                <a:latin typeface="楷体" panose="02010609060101010101" pitchFamily="49" charset="-122"/>
+                <a:ea typeface="楷体" panose="02010609060101010101" pitchFamily="49" charset="-122"/>
+              </a:endParaRPr>
+            </a:p>
+          </p:txBody>
+        </p:sp>
+      </p:grpSp>
+    </p:spTree>
+    <p:extLst>
+      <p:ext uri="{BB962C8B-B14F-4D97-AF65-F5344CB8AC3E}">
+        <p14:creationId xmlns:p14="http://schemas.microsoft.com/office/powerpoint/2010/main" val="4022801317"/>
+      </p:ext>
+    </p:extLst>
+  </p:cSld>
+  <p:clrMapOvr>
+    <a:masterClrMapping/>
+  </p:clrMapOvr>
+</p:sld>
+</file>
+
+<file path=ppt/slides/slide4.xml><?xml version="1.0" encoding="utf-8"?>
 <p:sld xmlns:a="http://schemas.openxmlformats.org/drawingml/2006/main" xmlns:r="http://schemas.openxmlformats.org/officeDocument/2006/relationships" xmlns:p="http://schemas.openxmlformats.org/presentationml/2006/main">
   <p:cSld>
     <p:spTree>
@@ -5464,7 +6133,7 @@
                   <a:latin typeface="楷体" panose="02010609060101010101" pitchFamily="49" charset="-122"/>
                   <a:ea typeface="楷体" panose="02010609060101010101" pitchFamily="49" charset="-122"/>
                 </a:rPr>
-                <a:t>15%</a:t>
+                <a:t>7%</a:t>
               </a:r>
               <a:r>
                 <a:rPr lang="zh-CN" altLang="en-US" b="1" dirty="0">
@@ -5581,6 +6250,583 @@
     <p:extLst>
       <p:ext uri="{BB962C8B-B14F-4D97-AF65-F5344CB8AC3E}">
         <p14:creationId xmlns:p14="http://schemas.microsoft.com/office/powerpoint/2010/main" val="3877074050"/>
+      </p:ext>
+    </p:extLst>
+  </p:cSld>
+  <p:clrMapOvr>
+    <a:masterClrMapping/>
+  </p:clrMapOvr>
+</p:sld>
+</file>
+
+<file path=ppt/slides/slide5.xml><?xml version="1.0" encoding="utf-8"?>
+<p:sld xmlns:a="http://schemas.openxmlformats.org/drawingml/2006/main" xmlns:r="http://schemas.openxmlformats.org/officeDocument/2006/relationships" xmlns:p="http://schemas.openxmlformats.org/presentationml/2006/main">
+  <p:cSld>
+    <p:spTree>
+      <p:nvGrpSpPr>
+        <p:cNvPr id="1" name=""/>
+        <p:cNvGrpSpPr/>
+        <p:nvPr/>
+      </p:nvGrpSpPr>
+      <p:grpSpPr>
+        <a:xfrm>
+          <a:off x="0" y="0"/>
+          <a:ext cx="0" cy="0"/>
+          <a:chOff x="0" y="0"/>
+          <a:chExt cx="0" cy="0"/>
+        </a:xfrm>
+      </p:grpSpPr>
+      <p:grpSp>
+        <p:nvGrpSpPr>
+          <p:cNvPr id="19" name="组合 18">
+            <a:extLst>
+              <a:ext uri="{FF2B5EF4-FFF2-40B4-BE49-F238E27FC236}">
+                <a16:creationId xmlns:a16="http://schemas.microsoft.com/office/drawing/2014/main" id="{DE9C536E-1274-45A4-8808-A31579281473}"/>
+              </a:ext>
+            </a:extLst>
+          </p:cNvPr>
+          <p:cNvGrpSpPr/>
+          <p:nvPr/>
+        </p:nvGrpSpPr>
+        <p:grpSpPr>
+          <a:xfrm>
+            <a:off x="1917892" y="464233"/>
+            <a:ext cx="6339843" cy="5929533"/>
+            <a:chOff x="1650607" y="-450167"/>
+            <a:chExt cx="6339843" cy="5929533"/>
+          </a:xfrm>
+        </p:grpSpPr>
+        <p:sp>
+          <p:nvSpPr>
+            <p:cNvPr id="17" name="矩形 16">
+              <a:extLst>
+                <a:ext uri="{FF2B5EF4-FFF2-40B4-BE49-F238E27FC236}">
+                  <a16:creationId xmlns:a16="http://schemas.microsoft.com/office/drawing/2014/main" id="{08C262F2-BA1A-47F0-99F5-5E2AB168A192}"/>
+                </a:ext>
+              </a:extLst>
+            </p:cNvPr>
+            <p:cNvSpPr/>
+            <p:nvPr/>
+          </p:nvSpPr>
+          <p:spPr>
+            <a:xfrm>
+              <a:off x="1650608" y="-450167"/>
+              <a:ext cx="6339842" cy="5909238"/>
+            </a:xfrm>
+            <a:prstGeom prst="rect">
+              <a:avLst/>
+            </a:prstGeom>
+            <a:solidFill>
+              <a:srgbClr val="B0D2A0"/>
+            </a:solidFill>
+            <a:ln>
+              <a:solidFill>
+                <a:srgbClr val="B0D2A0"/>
+              </a:solidFill>
+            </a:ln>
+          </p:spPr>
+          <p:style>
+            <a:lnRef idx="2">
+              <a:schemeClr val="accent1">
+                <a:shade val="50000"/>
+              </a:schemeClr>
+            </a:lnRef>
+            <a:fillRef idx="1">
+              <a:schemeClr val="accent1"/>
+            </a:fillRef>
+            <a:effectRef idx="0">
+              <a:schemeClr val="accent1"/>
+            </a:effectRef>
+            <a:fontRef idx="minor">
+              <a:schemeClr val="lt1"/>
+            </a:fontRef>
+          </p:style>
+          <p:txBody>
+            <a:bodyPr rtlCol="0" anchor="ctr"/>
+            <a:lstStyle/>
+            <a:p>
+              <a:endParaRPr lang="en-US" altLang="zh-CN" sz="2000" dirty="0">
+                <a:solidFill>
+                  <a:schemeClr val="tx1"/>
+                </a:solidFill>
+                <a:latin typeface="楷体" panose="02010609060101010101" pitchFamily="49" charset="-122"/>
+                <a:ea typeface="楷体" panose="02010609060101010101" pitchFamily="49" charset="-122"/>
+              </a:endParaRPr>
+            </a:p>
+          </p:txBody>
+        </p:sp>
+        <p:sp>
+          <p:nvSpPr>
+            <p:cNvPr id="13" name="矩形 12">
+              <a:extLst>
+                <a:ext uri="{FF2B5EF4-FFF2-40B4-BE49-F238E27FC236}">
+                  <a16:creationId xmlns:a16="http://schemas.microsoft.com/office/drawing/2014/main" id="{661FDE28-B2B1-4D8A-9601-4CF5B6661D38}"/>
+                </a:ext>
+              </a:extLst>
+            </p:cNvPr>
+            <p:cNvSpPr/>
+            <p:nvPr/>
+          </p:nvSpPr>
+          <p:spPr>
+            <a:xfrm>
+              <a:off x="1650609" y="-450166"/>
+              <a:ext cx="4004603" cy="3319976"/>
+            </a:xfrm>
+            <a:prstGeom prst="rect">
+              <a:avLst/>
+            </a:prstGeom>
+            <a:solidFill>
+              <a:srgbClr val="B0D2A0"/>
+            </a:solidFill>
+            <a:ln>
+              <a:solidFill>
+                <a:srgbClr val="B0D2A0"/>
+              </a:solidFill>
+            </a:ln>
+          </p:spPr>
+          <p:style>
+            <a:lnRef idx="2">
+              <a:schemeClr val="accent1">
+                <a:shade val="50000"/>
+              </a:schemeClr>
+            </a:lnRef>
+            <a:fillRef idx="1">
+              <a:schemeClr val="accent1"/>
+            </a:fillRef>
+            <a:effectRef idx="0">
+              <a:schemeClr val="accent1"/>
+            </a:effectRef>
+            <a:fontRef idx="minor">
+              <a:schemeClr val="lt1"/>
+            </a:fontRef>
+          </p:style>
+          <p:txBody>
+            <a:bodyPr rtlCol="0" anchor="ctr"/>
+            <a:lstStyle/>
+            <a:p>
+              <a:pPr lvl="1"/>
+              <a:endParaRPr lang="en-US" altLang="zh-CN" dirty="0">
+                <a:solidFill>
+                  <a:schemeClr val="tx1"/>
+                </a:solidFill>
+                <a:latin typeface="楷体" panose="02010609060101010101" pitchFamily="49" charset="-122"/>
+                <a:ea typeface="楷体" panose="02010609060101010101" pitchFamily="49" charset="-122"/>
+              </a:endParaRPr>
+            </a:p>
+            <a:p>
+              <a:pPr lvl="2"/>
+              <a:endParaRPr lang="en-US" altLang="zh-CN" dirty="0">
+                <a:solidFill>
+                  <a:schemeClr val="tx1"/>
+                </a:solidFill>
+                <a:latin typeface="楷体" panose="02010609060101010101" pitchFamily="49" charset="-122"/>
+                <a:ea typeface="楷体" panose="02010609060101010101" pitchFamily="49" charset="-122"/>
+              </a:endParaRPr>
+            </a:p>
+            <a:p>
+              <a:pPr lvl="2"/>
+              <a:endParaRPr lang="en-US" altLang="zh-CN" dirty="0">
+                <a:solidFill>
+                  <a:schemeClr val="tx1"/>
+                </a:solidFill>
+                <a:latin typeface="楷体" panose="02010609060101010101" pitchFamily="49" charset="-122"/>
+                <a:ea typeface="楷体" panose="02010609060101010101" pitchFamily="49" charset="-122"/>
+              </a:endParaRPr>
+            </a:p>
+            <a:p>
+              <a:pPr lvl="2"/>
+              <a:endParaRPr lang="en-US" altLang="zh-CN" dirty="0">
+                <a:solidFill>
+                  <a:schemeClr val="tx1"/>
+                </a:solidFill>
+                <a:latin typeface="楷体" panose="02010609060101010101" pitchFamily="49" charset="-122"/>
+                <a:ea typeface="楷体" panose="02010609060101010101" pitchFamily="49" charset="-122"/>
+              </a:endParaRPr>
+            </a:p>
+            <a:p>
+              <a:pPr lvl="2"/>
+              <a:r>
+                <a:rPr lang="zh-CN" altLang="en-US" b="1" dirty="0">
+                  <a:solidFill>
+                    <a:schemeClr val="tx1"/>
+                  </a:solidFill>
+                  <a:latin typeface="楷体" panose="02010609060101010101" pitchFamily="49" charset="-122"/>
+                  <a:ea typeface="楷体" panose="02010609060101010101" pitchFamily="49" charset="-122"/>
+                </a:rPr>
+                <a:t>正式实验：</a:t>
+              </a:r>
+              <a:endParaRPr lang="en-US" altLang="zh-CN" b="1" dirty="0">
+                <a:solidFill>
+                  <a:schemeClr val="tx1"/>
+                </a:solidFill>
+                <a:latin typeface="楷体" panose="02010609060101010101" pitchFamily="49" charset="-122"/>
+                <a:ea typeface="楷体" panose="02010609060101010101" pitchFamily="49" charset="-122"/>
+              </a:endParaRPr>
+            </a:p>
+            <a:p>
+              <a:pPr lvl="2"/>
+              <a:endParaRPr lang="en-US" altLang="zh-CN" b="1" dirty="0">
+                <a:solidFill>
+                  <a:schemeClr val="tx1"/>
+                </a:solidFill>
+                <a:latin typeface="楷体" panose="02010609060101010101" pitchFamily="49" charset="-122"/>
+                <a:ea typeface="楷体" panose="02010609060101010101" pitchFamily="49" charset="-122"/>
+              </a:endParaRPr>
+            </a:p>
+            <a:p>
+              <a:pPr lvl="2"/>
+              <a:r>
+                <a:rPr lang="zh-CN" altLang="en-US" b="1" dirty="0">
+                  <a:solidFill>
+                    <a:schemeClr val="tx1"/>
+                  </a:solidFill>
+                  <a:latin typeface="楷体" panose="02010609060101010101" pitchFamily="49" charset="-122"/>
+                  <a:ea typeface="楷体" panose="02010609060101010101" pitchFamily="49" charset="-122"/>
+                </a:rPr>
+                <a:t>您是一位饥肠辘辘的旅人（</a:t>
+              </a:r>
+              <a:r>
+                <a:rPr lang="zh-CN" altLang="en-US" b="1" dirty="0">
+                  <a:solidFill>
+                    <a:schemeClr val="accent1">
+                      <a:lumMod val="75000"/>
+                    </a:schemeClr>
+                  </a:solidFill>
+                  <a:latin typeface="楷体" panose="02010609060101010101" pitchFamily="49" charset="-122"/>
+                  <a:ea typeface="楷体" panose="02010609060101010101" pitchFamily="49" charset="-122"/>
+                </a:rPr>
+                <a:t>蓝色小球</a:t>
+              </a:r>
+              <a:r>
+                <a:rPr lang="zh-CN" altLang="en-US" b="1" dirty="0">
+                  <a:solidFill>
+                    <a:schemeClr val="tx1"/>
+                  </a:solidFill>
+                  <a:latin typeface="楷体" panose="02010609060101010101" pitchFamily="49" charset="-122"/>
+                  <a:ea typeface="楷体" panose="02010609060101010101" pitchFamily="49" charset="-122"/>
+                </a:rPr>
+                <a:t>）需要尽快到达餐馆补充食物。地图上有</a:t>
+              </a:r>
+              <a:r>
+                <a:rPr lang="zh-CN" altLang="en-US" b="1" i="1" u="sng" dirty="0">
+                  <a:solidFill>
+                    <a:schemeClr val="tx1"/>
+                  </a:solidFill>
+                  <a:latin typeface="楷体" panose="02010609060101010101" pitchFamily="49" charset="-122"/>
+                  <a:ea typeface="楷体" panose="02010609060101010101" pitchFamily="49" charset="-122"/>
+                </a:rPr>
+                <a:t>两个餐馆</a:t>
+              </a:r>
+              <a:r>
+                <a:rPr lang="zh-CN" altLang="en-US" b="1" dirty="0">
+                  <a:solidFill>
+                    <a:schemeClr val="tx1"/>
+                  </a:solidFill>
+                  <a:latin typeface="楷体" panose="02010609060101010101" pitchFamily="49" charset="-122"/>
+                  <a:ea typeface="楷体" panose="02010609060101010101" pitchFamily="49" charset="-122"/>
+                </a:rPr>
+                <a:t>（</a:t>
+              </a:r>
+              <a:r>
+                <a:rPr lang="zh-CN" altLang="en-US" b="1" dirty="0">
+                  <a:solidFill>
+                    <a:srgbClr val="FF0000"/>
+                  </a:solidFill>
+                  <a:latin typeface="楷体" panose="02010609060101010101" pitchFamily="49" charset="-122"/>
+                  <a:ea typeface="楷体" panose="02010609060101010101" pitchFamily="49" charset="-122"/>
+                </a:rPr>
+                <a:t>红色方块</a:t>
+              </a:r>
+              <a:r>
+                <a:rPr lang="zh-CN" altLang="en-US" b="1" dirty="0">
+                  <a:solidFill>
+                    <a:schemeClr val="tx1"/>
+                  </a:solidFill>
+                  <a:latin typeface="楷体" panose="02010609060101010101" pitchFamily="49" charset="-122"/>
+                  <a:ea typeface="楷体" panose="02010609060101010101" pitchFamily="49" charset="-122"/>
+                </a:rPr>
+                <a:t>）和一些无法穿越的</a:t>
+              </a:r>
+              <a:r>
+                <a:rPr lang="zh-CN" altLang="en-US" b="1" i="1" u="sng" dirty="0">
+                  <a:solidFill>
+                    <a:schemeClr val="tx1"/>
+                  </a:solidFill>
+                  <a:latin typeface="楷体" panose="02010609060101010101" pitchFamily="49" charset="-122"/>
+                  <a:ea typeface="楷体" panose="02010609060101010101" pitchFamily="49" charset="-122"/>
+                </a:rPr>
+                <a:t>障碍物</a:t>
+              </a:r>
+              <a:r>
+                <a:rPr lang="zh-CN" altLang="en-US" b="1" dirty="0">
+                  <a:solidFill>
+                    <a:schemeClr val="tx1"/>
+                  </a:solidFill>
+                  <a:latin typeface="楷体" panose="02010609060101010101" pitchFamily="49" charset="-122"/>
+                  <a:ea typeface="楷体" panose="02010609060101010101" pitchFamily="49" charset="-122"/>
+                </a:rPr>
+                <a:t>（黑色方块）。您的目标是操纵方向键（上、下、左、右），使自己以最少步数尽快到达餐馆就餐。</a:t>
+              </a:r>
+              <a:endParaRPr lang="en-US" altLang="zh-CN" b="1" dirty="0">
+                <a:solidFill>
+                  <a:schemeClr val="tx1"/>
+                </a:solidFill>
+                <a:latin typeface="楷体" panose="02010609060101010101" pitchFamily="49" charset="-122"/>
+                <a:ea typeface="楷体" panose="02010609060101010101" pitchFamily="49" charset="-122"/>
+              </a:endParaRPr>
+            </a:p>
+            <a:p>
+              <a:pPr lvl="2"/>
+              <a:endParaRPr lang="en-US" altLang="zh-CN" b="1" dirty="0">
+                <a:solidFill>
+                  <a:schemeClr val="tx1"/>
+                </a:solidFill>
+                <a:latin typeface="楷体" panose="02010609060101010101" pitchFamily="49" charset="-122"/>
+                <a:ea typeface="楷体" panose="02010609060101010101" pitchFamily="49" charset="-122"/>
+              </a:endParaRPr>
+            </a:p>
+            <a:p>
+              <a:endParaRPr lang="en-US" altLang="zh-CN" sz="2000" dirty="0">
+                <a:solidFill>
+                  <a:schemeClr val="tx1"/>
+                </a:solidFill>
+                <a:latin typeface="楷体" panose="02010609060101010101" pitchFamily="49" charset="-122"/>
+                <a:ea typeface="楷体" panose="02010609060101010101" pitchFamily="49" charset="-122"/>
+              </a:endParaRPr>
+            </a:p>
+          </p:txBody>
+        </p:sp>
+        <p:pic>
+          <p:nvPicPr>
+            <p:cNvPr id="16" name="图片 15">
+              <a:extLst>
+                <a:ext uri="{FF2B5EF4-FFF2-40B4-BE49-F238E27FC236}">
+                  <a16:creationId xmlns:a16="http://schemas.microsoft.com/office/drawing/2014/main" id="{F2BF0366-54B3-45F6-B0A0-6A06C098C7A2}"/>
+                </a:ext>
+              </a:extLst>
+            </p:cNvPr>
+            <p:cNvPicPr>
+              <a:picLocks noChangeAspect="1"/>
+            </p:cNvPicPr>
+            <p:nvPr/>
+          </p:nvPicPr>
+          <p:blipFill>
+            <a:blip r:embed="rId3">
+              <a:extLst>
+                <a:ext uri="{28A0092B-C50C-407E-A947-70E740481C1C}">
+                  <a14:useLocalDpi xmlns:a14="http://schemas.microsoft.com/office/drawing/2010/main" val="0"/>
+                </a:ext>
+              </a:extLst>
+            </a:blip>
+            <a:stretch>
+              <a:fillRect/>
+            </a:stretch>
+          </p:blipFill>
+          <p:spPr>
+            <a:xfrm>
+              <a:off x="5655212" y="753270"/>
+              <a:ext cx="1336661" cy="1339078"/>
+            </a:xfrm>
+            <a:prstGeom prst="rect">
+              <a:avLst/>
+            </a:prstGeom>
+          </p:spPr>
+        </p:pic>
+        <p:sp>
+          <p:nvSpPr>
+            <p:cNvPr id="18" name="矩形 17">
+              <a:extLst>
+                <a:ext uri="{FF2B5EF4-FFF2-40B4-BE49-F238E27FC236}">
+                  <a16:creationId xmlns:a16="http://schemas.microsoft.com/office/drawing/2014/main" id="{ED0792B3-BAC8-4A39-9458-C54FD0DA2153}"/>
+                </a:ext>
+              </a:extLst>
+            </p:cNvPr>
+            <p:cNvSpPr/>
+            <p:nvPr/>
+          </p:nvSpPr>
+          <p:spPr>
+            <a:xfrm>
+              <a:off x="1650607" y="3060822"/>
+              <a:ext cx="5495779" cy="2418544"/>
+            </a:xfrm>
+            <a:prstGeom prst="rect">
+              <a:avLst/>
+            </a:prstGeom>
+            <a:solidFill>
+              <a:srgbClr val="B0D2A0"/>
+            </a:solidFill>
+            <a:ln>
+              <a:solidFill>
+                <a:srgbClr val="B0D2A0"/>
+              </a:solidFill>
+            </a:ln>
+          </p:spPr>
+          <p:style>
+            <a:lnRef idx="2">
+              <a:schemeClr val="accent1">
+                <a:shade val="50000"/>
+              </a:schemeClr>
+            </a:lnRef>
+            <a:fillRef idx="1">
+              <a:schemeClr val="accent1"/>
+            </a:fillRef>
+            <a:effectRef idx="0">
+              <a:schemeClr val="accent1"/>
+            </a:effectRef>
+            <a:fontRef idx="minor">
+              <a:schemeClr val="lt1"/>
+            </a:fontRef>
+          </p:style>
+          <p:txBody>
+            <a:bodyPr rtlCol="0" anchor="ctr"/>
+            <a:lstStyle/>
+            <a:p>
+              <a:pPr lvl="2"/>
+              <a:r>
+                <a:rPr lang="en-US" altLang="zh-CN" b="1" dirty="0">
+                  <a:solidFill>
+                    <a:schemeClr val="tx1"/>
+                  </a:solidFill>
+                  <a:latin typeface="楷体" panose="02010609060101010101" pitchFamily="49" charset="-122"/>
+                  <a:ea typeface="楷体" panose="02010609060101010101" pitchFamily="49" charset="-122"/>
+                </a:rPr>
+                <a:t>1.</a:t>
+              </a:r>
+              <a:r>
+                <a:rPr lang="zh-CN" altLang="en-US" b="1" dirty="0">
+                  <a:solidFill>
+                    <a:schemeClr val="tx1"/>
+                  </a:solidFill>
+                  <a:latin typeface="楷体" panose="02010609060101010101" pitchFamily="49" charset="-122"/>
+                  <a:ea typeface="楷体" panose="02010609060101010101" pitchFamily="49" charset="-122"/>
+                </a:rPr>
+                <a:t>在行进过程中，按键行为有</a:t>
+              </a:r>
+              <a:r>
+                <a:rPr lang="en-US" altLang="zh-CN" b="1" dirty="0">
+                  <a:solidFill>
+                    <a:schemeClr val="tx1"/>
+                  </a:solidFill>
+                  <a:latin typeface="楷体" panose="02010609060101010101" pitchFamily="49" charset="-122"/>
+                  <a:ea typeface="楷体" panose="02010609060101010101" pitchFamily="49" charset="-122"/>
+                </a:rPr>
+                <a:t>7%</a:t>
+              </a:r>
+              <a:r>
+                <a:rPr lang="zh-CN" altLang="en-US" b="1" dirty="0">
+                  <a:solidFill>
+                    <a:schemeClr val="tx1"/>
+                  </a:solidFill>
+                  <a:latin typeface="楷体" panose="02010609060101010101" pitchFamily="49" charset="-122"/>
+                  <a:ea typeface="楷体" panose="02010609060101010101" pitchFamily="49" charset="-122"/>
+                </a:rPr>
+                <a:t>的失灵概率，这使得您的运动方向随机偏离到周围八个格子。</a:t>
+              </a:r>
+              <a:endParaRPr lang="en-US" altLang="zh-CN" b="1" dirty="0">
+                <a:solidFill>
+                  <a:schemeClr val="tx1"/>
+                </a:solidFill>
+                <a:latin typeface="楷体" panose="02010609060101010101" pitchFamily="49" charset="-122"/>
+                <a:ea typeface="楷体" panose="02010609060101010101" pitchFamily="49" charset="-122"/>
+              </a:endParaRPr>
+            </a:p>
+            <a:p>
+              <a:pPr lvl="2"/>
+              <a:r>
+                <a:rPr lang="en-US" altLang="zh-CN" b="1" dirty="0">
+                  <a:solidFill>
+                    <a:schemeClr val="tx1"/>
+                  </a:solidFill>
+                  <a:latin typeface="楷体" panose="02010609060101010101" pitchFamily="49" charset="-122"/>
+                  <a:ea typeface="楷体" panose="02010609060101010101" pitchFamily="49" charset="-122"/>
+                </a:rPr>
+                <a:t>2.</a:t>
+              </a:r>
+              <a:r>
+                <a:rPr lang="zh-CN" altLang="en-US" b="1" dirty="0">
+                  <a:solidFill>
+                    <a:schemeClr val="tx1"/>
+                  </a:solidFill>
+                  <a:latin typeface="楷体" panose="02010609060101010101" pitchFamily="49" charset="-122"/>
+                  <a:ea typeface="楷体" panose="02010609060101010101" pitchFamily="49" charset="-122"/>
+                </a:rPr>
+                <a:t> 每个试次仅能到达一个餐馆就餐。</a:t>
+              </a:r>
+              <a:endParaRPr lang="en-US" altLang="zh-CN" b="1" dirty="0">
+                <a:solidFill>
+                  <a:schemeClr val="tx1"/>
+                </a:solidFill>
+                <a:latin typeface="楷体" panose="02010609060101010101" pitchFamily="49" charset="-122"/>
+                <a:ea typeface="楷体" panose="02010609060101010101" pitchFamily="49" charset="-122"/>
+              </a:endParaRPr>
+            </a:p>
+            <a:p>
+              <a:pPr lvl="2"/>
+              <a:endParaRPr lang="en-US" altLang="zh-CN" b="1" dirty="0">
+                <a:solidFill>
+                  <a:schemeClr val="tx1"/>
+                </a:solidFill>
+                <a:latin typeface="楷体" panose="02010609060101010101" pitchFamily="49" charset="-122"/>
+                <a:ea typeface="楷体" panose="02010609060101010101" pitchFamily="49" charset="-122"/>
+              </a:endParaRPr>
+            </a:p>
+            <a:p>
+              <a:pPr lvl="2"/>
+              <a:r>
+                <a:rPr lang="zh-CN" altLang="en-US" b="1" dirty="0">
+                  <a:solidFill>
+                    <a:schemeClr val="tx1"/>
+                  </a:solidFill>
+                  <a:latin typeface="楷体" panose="02010609060101010101" pitchFamily="49" charset="-122"/>
+                  <a:ea typeface="楷体" panose="02010609060101010101" pitchFamily="49" charset="-122"/>
+                </a:rPr>
+                <a:t>明确自己的任务后，请按空格键开始实验吧</a:t>
+              </a:r>
+              <a:endParaRPr lang="en-US" altLang="zh-CN" b="1" dirty="0">
+                <a:solidFill>
+                  <a:schemeClr val="tx1"/>
+                </a:solidFill>
+                <a:latin typeface="楷体" panose="02010609060101010101" pitchFamily="49" charset="-122"/>
+                <a:ea typeface="楷体" panose="02010609060101010101" pitchFamily="49" charset="-122"/>
+              </a:endParaRPr>
+            </a:p>
+            <a:p>
+              <a:pPr lvl="2"/>
+              <a:endParaRPr lang="en-US" altLang="zh-CN" dirty="0">
+                <a:solidFill>
+                  <a:schemeClr val="tx1"/>
+                </a:solidFill>
+                <a:latin typeface="楷体" panose="02010609060101010101" pitchFamily="49" charset="-122"/>
+                <a:ea typeface="楷体" panose="02010609060101010101" pitchFamily="49" charset="-122"/>
+              </a:endParaRPr>
+            </a:p>
+            <a:p>
+              <a:pPr lvl="2"/>
+              <a:endParaRPr lang="en-US" altLang="zh-CN" dirty="0">
+                <a:solidFill>
+                  <a:schemeClr val="tx1"/>
+                </a:solidFill>
+                <a:latin typeface="楷体" panose="02010609060101010101" pitchFamily="49" charset="-122"/>
+                <a:ea typeface="楷体" panose="02010609060101010101" pitchFamily="49" charset="-122"/>
+              </a:endParaRPr>
+            </a:p>
+            <a:p>
+              <a:pPr lvl="1"/>
+              <a:endParaRPr lang="en-US" altLang="zh-CN" dirty="0">
+                <a:solidFill>
+                  <a:schemeClr val="tx1"/>
+                </a:solidFill>
+                <a:latin typeface="楷体" panose="02010609060101010101" pitchFamily="49" charset="-122"/>
+                <a:ea typeface="楷体" panose="02010609060101010101" pitchFamily="49" charset="-122"/>
+              </a:endParaRPr>
+            </a:p>
+          </p:txBody>
+        </p:sp>
+      </p:grpSp>
+    </p:spTree>
+    <p:extLst>
+      <p:ext uri="{BB962C8B-B14F-4D97-AF65-F5344CB8AC3E}">
+        <p14:creationId xmlns:p14="http://schemas.microsoft.com/office/powerpoint/2010/main" val="3127071551"/>
       </p:ext>
     </p:extLst>
   </p:cSld>
